--- a/DEMO ON ANGULAR-17.pptx
+++ b/DEMO ON ANGULAR-17.pptx
@@ -923,7 +923,7 @@
           <a:p>
             <a:fld id="{10F8D96C-0375-4F2D-A642-71C956AF3FBD}" type="datetimeFigureOut">
               <a:rPr lang="en-IN" smtClean="0"/>
-              <a:t>11-03-2024</a:t>
+              <a:t>12-03-2024</a:t>
             </a:fld>
             <a:endParaRPr lang="en-IN"/>
           </a:p>
@@ -2011,7 +2011,7 @@
           <a:p>
             <a:fld id="{10F8D96C-0375-4F2D-A642-71C956AF3FBD}" type="datetimeFigureOut">
               <a:rPr lang="en-IN" smtClean="0"/>
-              <a:t>11-03-2024</a:t>
+              <a:t>12-03-2024</a:t>
             </a:fld>
             <a:endParaRPr lang="en-IN"/>
           </a:p>
@@ -2991,7 +2991,7 @@
           <a:p>
             <a:fld id="{10F8D96C-0375-4F2D-A642-71C956AF3FBD}" type="datetimeFigureOut">
               <a:rPr lang="en-IN" smtClean="0"/>
-              <a:t>11-03-2024</a:t>
+              <a:t>12-03-2024</a:t>
             </a:fld>
             <a:endParaRPr lang="en-IN"/>
           </a:p>
@@ -4125,7 +4125,7 @@
           <a:p>
             <a:fld id="{10F8D96C-0375-4F2D-A642-71C956AF3FBD}" type="datetimeFigureOut">
               <a:rPr lang="en-IN" smtClean="0"/>
-              <a:t>11-03-2024</a:t>
+              <a:t>12-03-2024</a:t>
             </a:fld>
             <a:endParaRPr lang="en-IN"/>
           </a:p>
@@ -5158,7 +5158,7 @@
           <a:p>
             <a:fld id="{10F8D96C-0375-4F2D-A642-71C956AF3FBD}" type="datetimeFigureOut">
               <a:rPr lang="en-IN" smtClean="0"/>
-              <a:t>11-03-2024</a:t>
+              <a:t>12-03-2024</a:t>
             </a:fld>
             <a:endParaRPr lang="en-IN"/>
           </a:p>
@@ -5818,7 +5818,7 @@
           <a:p>
             <a:fld id="{10F8D96C-0375-4F2D-A642-71C956AF3FBD}" type="datetimeFigureOut">
               <a:rPr lang="en-IN" smtClean="0"/>
-              <a:t>11-03-2024</a:t>
+              <a:t>12-03-2024</a:t>
             </a:fld>
             <a:endParaRPr lang="en-IN"/>
           </a:p>
@@ -6679,7 +6679,7 @@
           <a:p>
             <a:fld id="{10F8D96C-0375-4F2D-A642-71C956AF3FBD}" type="datetimeFigureOut">
               <a:rPr lang="en-IN" smtClean="0"/>
-              <a:t>11-03-2024</a:t>
+              <a:t>12-03-2024</a:t>
             </a:fld>
             <a:endParaRPr lang="en-IN"/>
           </a:p>
@@ -6869,7 +6869,7 @@
           <a:p>
             <a:fld id="{10F8D96C-0375-4F2D-A642-71C956AF3FBD}" type="datetimeFigureOut">
               <a:rPr lang="en-IN" smtClean="0"/>
-              <a:t>11-03-2024</a:t>
+              <a:t>12-03-2024</a:t>
             </a:fld>
             <a:endParaRPr lang="en-IN"/>
           </a:p>
@@ -7841,7 +7841,7 @@
           <a:p>
             <a:fld id="{10F8D96C-0375-4F2D-A642-71C956AF3FBD}" type="datetimeFigureOut">
               <a:rPr lang="en-IN" smtClean="0"/>
-              <a:t>11-03-2024</a:t>
+              <a:t>12-03-2024</a:t>
             </a:fld>
             <a:endParaRPr lang="en-IN"/>
           </a:p>
@@ -8052,7 +8052,7 @@
           <a:p>
             <a:fld id="{10F8D96C-0375-4F2D-A642-71C956AF3FBD}" type="datetimeFigureOut">
               <a:rPr lang="en-IN" smtClean="0"/>
-              <a:t>11-03-2024</a:t>
+              <a:t>12-03-2024</a:t>
             </a:fld>
             <a:endParaRPr lang="en-IN"/>
           </a:p>
@@ -9086,7 +9086,7 @@
           <a:p>
             <a:fld id="{10F8D96C-0375-4F2D-A642-71C956AF3FBD}" type="datetimeFigureOut">
               <a:rPr lang="en-IN" smtClean="0"/>
-              <a:t>11-03-2024</a:t>
+              <a:t>12-03-2024</a:t>
             </a:fld>
             <a:endParaRPr lang="en-IN"/>
           </a:p>
@@ -9358,7 +9358,7 @@
           <a:p>
             <a:fld id="{10F8D96C-0375-4F2D-A642-71C956AF3FBD}" type="datetimeFigureOut">
               <a:rPr lang="en-IN" smtClean="0"/>
-              <a:t>11-03-2024</a:t>
+              <a:t>12-03-2024</a:t>
             </a:fld>
             <a:endParaRPr lang="en-IN"/>
           </a:p>
@@ -9768,7 +9768,7 @@
           <a:p>
             <a:fld id="{10F8D96C-0375-4F2D-A642-71C956AF3FBD}" type="datetimeFigureOut">
               <a:rPr lang="en-IN" smtClean="0"/>
-              <a:t>11-03-2024</a:t>
+              <a:t>12-03-2024</a:t>
             </a:fld>
             <a:endParaRPr lang="en-IN"/>
           </a:p>
@@ -9895,7 +9895,7 @@
           <a:p>
             <a:fld id="{10F8D96C-0375-4F2D-A642-71C956AF3FBD}" type="datetimeFigureOut">
               <a:rPr lang="en-IN" smtClean="0"/>
-              <a:t>11-03-2024</a:t>
+              <a:t>12-03-2024</a:t>
             </a:fld>
             <a:endParaRPr lang="en-IN"/>
           </a:p>
@@ -9990,7 +9990,7 @@
           <a:p>
             <a:fld id="{10F8D96C-0375-4F2D-A642-71C956AF3FBD}" type="datetimeFigureOut">
               <a:rPr lang="en-IN" smtClean="0"/>
-              <a:t>11-03-2024</a:t>
+              <a:t>12-03-2024</a:t>
             </a:fld>
             <a:endParaRPr lang="en-IN"/>
           </a:p>
@@ -11071,7 +11071,7 @@
           <a:p>
             <a:fld id="{10F8D96C-0375-4F2D-A642-71C956AF3FBD}" type="datetimeFigureOut">
               <a:rPr lang="en-IN" smtClean="0"/>
-              <a:t>11-03-2024</a:t>
+              <a:t>12-03-2024</a:t>
             </a:fld>
             <a:endParaRPr lang="en-IN"/>
           </a:p>
@@ -12179,7 +12179,7 @@
           <a:p>
             <a:fld id="{10F8D96C-0375-4F2D-A642-71C956AF3FBD}" type="datetimeFigureOut">
               <a:rPr lang="en-IN" smtClean="0"/>
-              <a:t>11-03-2024</a:t>
+              <a:t>12-03-2024</a:t>
             </a:fld>
             <a:endParaRPr lang="en-IN"/>
           </a:p>
@@ -13176,7 +13176,7 @@
           <a:p>
             <a:fld id="{10F8D96C-0375-4F2D-A642-71C956AF3FBD}" type="datetimeFigureOut">
               <a:rPr lang="en-IN" smtClean="0"/>
-              <a:t>11-03-2024</a:t>
+              <a:t>12-03-2024</a:t>
             </a:fld>
             <a:endParaRPr lang="en-IN"/>
           </a:p>
@@ -14956,7 +14956,7 @@
             </a:r>
             <a:r>
               <a:rPr lang="en-IN" b="1" dirty="0"/>
-              <a:t> 					Angular</a:t>
+              <a:t> (1)			 Angular (&gt;2)</a:t>
             </a:r>
           </a:p>
           <a:p>
